--- a/hw10-melchuk.pptx
+++ b/hw10-melchuk.pptx
@@ -11360,7 +11360,7 @@
         <p:spPr>
           <a:xfrm>
             <a:off x="1575455" y="4304289"/>
-            <a:ext cx="8613574" cy="2308324"/>
+            <a:ext cx="8613574" cy="2585323"/>
           </a:xfrm>
           <a:prstGeom prst="rect">
             <a:avLst/>
@@ -11405,9 +11405,15 @@
           </a:p>
           <a:p>
             <a:r>
-              <a:rPr lang="en-US" dirty="0"/>
-              <a:t>http://otomis.tilda.ws/</a:t>
-            </a:r>
+              <a:rPr lang="en-US" dirty="0">
+                <a:hlinkClick r:id="rId5"/>
+              </a:rPr>
+              <a:t>http://otomis.tilda.ws</a:t>
+            </a:r>
+            <a:endParaRPr lang="ru-RU" dirty="0"/>
+          </a:p>
+          <a:p>
+            <a:endParaRPr lang="en-US" dirty="0"/>
           </a:p>
           <a:p>
             <a:endParaRPr lang="ru-RU" dirty="0"/>
@@ -11482,42 +11488,6 @@
       </p:pic>
       <p:sp>
         <p:nvSpPr>
-          <p:cNvPr id="3" name="TextBox 2">
-            <a:extLst>
-              <a:ext uri="{FF2B5EF4-FFF2-40B4-BE49-F238E27FC236}">
-                <a16:creationId xmlns:a16="http://schemas.microsoft.com/office/drawing/2014/main" id="{BFF64DD5-AE30-364B-A201-17C2DA24FA06}"/>
-              </a:ext>
-            </a:extLst>
-          </p:cNvPr>
-          <p:cNvSpPr txBox="1"/>
-          <p:nvPr/>
-        </p:nvSpPr>
-        <p:spPr>
-          <a:xfrm>
-            <a:off x="1575455" y="3807767"/>
-            <a:ext cx="8613574" cy="369332"/>
-          </a:xfrm>
-          <a:prstGeom prst="rect">
-            <a:avLst/>
-          </a:prstGeom>
-          <a:noFill/>
-        </p:spPr>
-        <p:txBody>
-          <a:bodyPr wrap="square" rtlCol="0">
-            <a:spAutoFit/>
-          </a:bodyPr>
-          <a:lstStyle/>
-          <a:p>
-            <a:r>
-              <a:rPr lang="en-US" dirty="0"/>
-              <a:t>.</a:t>
-            </a:r>
-            <a:endParaRPr lang="ru-RU" dirty="0"/>
-          </a:p>
-        </p:txBody>
-      </p:sp>
-      <p:sp>
-        <p:nvSpPr>
           <p:cNvPr id="7" name="Title 1">
             <a:extLst>
               <a:ext uri="{FF2B5EF4-FFF2-40B4-BE49-F238E27FC236}">
@@ -11568,6 +11538,14 @@
               <a:rPr lang="ru-RU" sz="1400" dirty="0"/>
               <a:t>Список выводов и изменений</a:t>
             </a:r>
+            <a:r>
+              <a:rPr lang="en-US" sz="1400" dirty="0"/>
+              <a:t> (</a:t>
+            </a:r>
+            <a:r>
+              <a:rPr lang="ru-RU" sz="1400" dirty="0"/>
+              <a:t>пока не реализовал, много еще переделывать)</a:t>
+            </a:r>
           </a:p>
         </p:txBody>
       </p:sp>
@@ -11585,8 +11563,8 @@
         </p:nvSpPr>
         <p:spPr>
           <a:xfrm>
-            <a:off x="1575455" y="2245624"/>
-            <a:ext cx="8613574" cy="369332"/>
+            <a:off x="1575455" y="1886840"/>
+            <a:ext cx="8613574" cy="5355312"/>
           </a:xfrm>
           <a:prstGeom prst="rect">
             <a:avLst/>
@@ -11601,8 +11579,135 @@
           <a:p>
             <a:r>
               <a:rPr lang="ru-RU" dirty="0"/>
-              <a:t>Сделал юзабилити тест в  5 человек пока.</a:t>
-            </a:r>
+              <a:t>Сделал юзабилити тест на 5 участниках. (Главный, 3 программера, секретарь)</a:t>
+            </a:r>
+            <a:endParaRPr lang="en-US" dirty="0"/>
+          </a:p>
+          <a:p>
+            <a:endParaRPr lang="en-US" dirty="0"/>
+          </a:p>
+          <a:p>
+            <a:r>
+              <a:rPr lang="ru-RU" dirty="0"/>
+              <a:t>Проверил гипотезы  и сделал след выводы:</a:t>
+            </a:r>
+          </a:p>
+          <a:p>
+            <a:pPr marL="285750" indent="-285750">
+              <a:buFontTx/>
+              <a:buChar char="-"/>
+            </a:pPr>
+            <a:r>
+              <a:rPr lang="ru-RU" dirty="0"/>
+              <a:t>Нужно переработать структуру домашней страницы, переработав инф. структуру и функциональную тоже. Люди посетившие сайт думают, не так как я ожидал. Подтверждена. </a:t>
+            </a:r>
+          </a:p>
+          <a:p>
+            <a:pPr marL="285750" indent="-285750">
+              <a:buFontTx/>
+              <a:buChar char="-"/>
+            </a:pPr>
+            <a:r>
+              <a:rPr lang="ru-RU" dirty="0"/>
+              <a:t>Про избыточность картинок в начальной галерее с безымянными проектами. Подтверждена. Нужен какой то смысл всего этого. </a:t>
+            </a:r>
+          </a:p>
+          <a:p>
+            <a:pPr marL="285750" indent="-285750">
+              <a:buFontTx/>
+              <a:buChar char="-"/>
+            </a:pPr>
+            <a:r>
+              <a:rPr lang="ru-RU" dirty="0"/>
+              <a:t>Не хватает плавающей кнопки с рекламой Шоурум в Москве. Подтверждена.</a:t>
+            </a:r>
+          </a:p>
+          <a:p>
+            <a:pPr marL="285750" indent="-285750">
+              <a:buFontTx/>
+              <a:buChar char="-"/>
+            </a:pPr>
+            <a:r>
+              <a:rPr lang="ru-RU" dirty="0"/>
+              <a:t>Навигация по страницам не всегда понятна обычным людям (не </a:t>
+            </a:r>
+            <a:r>
+              <a:rPr lang="ru-RU" dirty="0" err="1"/>
+              <a:t>разрабам</a:t>
+            </a:r>
+            <a:r>
+              <a:rPr lang="ru-RU" dirty="0"/>
+              <a:t>)  Подтверждена.</a:t>
+            </a:r>
+          </a:p>
+          <a:p>
+            <a:pPr marL="285750" indent="-285750">
+              <a:buFontTx/>
+              <a:buChar char="-"/>
+            </a:pPr>
+            <a:r>
+              <a:rPr lang="en-US" dirty="0"/>
+              <a:t>Expertise </a:t>
+            </a:r>
+            <a:r>
+              <a:rPr lang="ru-RU" dirty="0"/>
+              <a:t>блок люди русские и французские представляют по разному.</a:t>
+            </a:r>
+          </a:p>
+          <a:p>
+            <a:pPr marL="285750" indent="-285750">
+              <a:buFontTx/>
+              <a:buChar char="-"/>
+            </a:pPr>
+            <a:r>
+              <a:rPr lang="ru-RU" dirty="0"/>
+              <a:t>Что дальше? Дизайн, цвета и шрифты это большой спорный момент. Никак не выберем. </a:t>
+            </a:r>
+          </a:p>
+          <a:p>
+            <a:pPr marL="285750" indent="-285750">
+              <a:buFontTx/>
+              <a:buChar char="-"/>
+            </a:pPr>
+            <a:r>
+              <a:rPr lang="en-US" dirty="0"/>
+              <a:t>Pinterest </a:t>
+            </a:r>
+            <a:r>
+              <a:rPr lang="ru-RU" dirty="0" err="1"/>
+              <a:t>зарегил</a:t>
+            </a:r>
+            <a:r>
+              <a:rPr lang="ru-RU" dirty="0"/>
+              <a:t>.</a:t>
+            </a:r>
+          </a:p>
+          <a:p>
+            <a:pPr marL="285750" indent="-285750">
+              <a:buFontTx/>
+              <a:buChar char="-"/>
+            </a:pPr>
+            <a:r>
+              <a:rPr lang="ru-RU" dirty="0"/>
+              <a:t>Хочу клиентам показать сначала</a:t>
+            </a:r>
+          </a:p>
+          <a:p>
+            <a:pPr marL="285750" indent="-285750">
+              <a:buFontTx/>
+              <a:buChar char="-"/>
+            </a:pPr>
+            <a:endParaRPr lang="ru-RU" dirty="0"/>
+          </a:p>
+          <a:p>
+            <a:pPr marL="285750" indent="-285750">
+              <a:buFontTx/>
+              <a:buChar char="-"/>
+            </a:pPr>
+            <a:endParaRPr lang="en-US" dirty="0"/>
+          </a:p>
+          <a:p>
+            <a:endParaRPr lang="ru-RU" dirty="0"/>
           </a:p>
         </p:txBody>
       </p:sp>

--- a/hw10-melchuk.pptx
+++ b/hw10-melchuk.pptx
@@ -10951,17 +10951,6 @@
           <a:lstStyle/>
           <a:p>
             <a:r>
-              <a:rPr lang="en-US" sz="3200" dirty="0">
-                <a:solidFill>
-                  <a:srgbClr val="FF0000"/>
-                </a:solidFill>
-                <a:latin typeface="Roboto" panose="02000000000000000000" pitchFamily="2" charset="0"/>
-                <a:ea typeface="Roboto" panose="02000000000000000000" pitchFamily="2" charset="0"/>
-                <a:cs typeface="Roboto" panose="02000000000000000000" pitchFamily="2" charset="0"/>
-              </a:rPr>
-              <a:t> </a:t>
-            </a:r>
-            <a:r>
               <a:rPr lang="ru-RU" sz="3200" dirty="0">
                 <a:solidFill>
                   <a:srgbClr val="FF0000"/>
@@ -10970,7 +10959,7 @@
                 <a:ea typeface="Roboto" panose="02000000000000000000" pitchFamily="2" charset="0"/>
                 <a:cs typeface="Roboto" panose="02000000000000000000" pitchFamily="2" charset="0"/>
               </a:rPr>
-              <a:t>Список выводов</a:t>
+              <a:t>ЗАДАНИЕ 10</a:t>
             </a:r>
           </a:p>
         </p:txBody>
